--- a/HD다운로더메뉴얼.pptx
+++ b/HD다운로더메뉴얼.pptx
@@ -104,6 +104,11 @@
       </a:defRPr>
     </a:lvl9pPr>
   </p:defaultTextStyle>
+  <p:extLst>
+    <p:ext uri="{EFAFB233-063F-42B5-8137-9DF3F51BA10A}">
+      <p15:sldGuideLst xmlns:p15="http://schemas.microsoft.com/office/powerpoint/2012/main"/>
+    </p:ext>
+  </p:extLst>
 </p:presentation>
 </file>
 
@@ -3017,7 +3022,7 @@
         <p:spPr>
           <a:xfrm>
             <a:off x="660400" y="1295400"/>
-            <a:ext cx="5755358" cy="5570756"/>
+            <a:ext cx="5755358" cy="6217087"/>
           </a:xfrm>
           <a:prstGeom prst="rect">
             <a:avLst/>
@@ -3165,12 +3170,8 @@
               <a:t>개 표시 </a:t>
             </a:r>
             <a:r>
-              <a:rPr lang="ko-KR" altLang="en-US" sz="1400" dirty="0" err="1" smtClean="0"/>
-              <a:t>될때까지</a:t>
-            </a:r>
-            <a:r>
               <a:rPr lang="ko-KR" altLang="en-US" sz="1400" dirty="0" smtClean="0"/>
-              <a:t> </a:t>
+              <a:t>될 때까지 </a:t>
             </a:r>
             <a:r>
               <a:rPr lang="en-US" altLang="ko-KR" sz="1400" dirty="0" smtClean="0"/>
@@ -3190,11 +3191,7 @@
             </a:r>
             <a:r>
               <a:rPr lang="en-US" altLang="ko-KR" sz="1400" b="1" dirty="0" smtClean="0"/>
-              <a:t> </a:t>
-            </a:r>
-            <a:r>
-              <a:rPr lang="en-US" altLang="ko-KR" sz="1400" b="1" dirty="0" smtClean="0"/>
-              <a:t>LTE Setup</a:t>
+              <a:t> LTE Setup</a:t>
             </a:r>
             <a:r>
               <a:rPr lang="ko-KR" altLang="en-US" sz="1400" b="1" dirty="0" smtClean="0"/>
@@ -3295,12 +3292,12 @@
               <a:t>개 표시 </a:t>
             </a:r>
             <a:r>
-              <a:rPr lang="ko-KR" altLang="en-US" sz="1400" dirty="0" err="1" smtClean="0"/>
-              <a:t>될때</a:t>
-            </a:r>
-            <a:r>
               <a:rPr lang="ko-KR" altLang="en-US" sz="1400" dirty="0" smtClean="0"/>
-              <a:t> 까지 </a:t>
+              <a:t>될 때 </a:t>
+            </a:r>
+            <a:r>
+              <a:rPr lang="ko-KR" altLang="en-US" sz="1400" dirty="0" smtClean="0"/>
+              <a:t>까지 </a:t>
             </a:r>
             <a:r>
               <a:rPr lang="en-US" altLang="ko-KR" sz="1400" dirty="0" smtClean="0"/>
@@ -3422,6 +3419,10 @@
               <a:t>장비번호</a:t>
             </a:r>
             <a:r>
+              <a:rPr lang="ko-KR" altLang="en-US" sz="1400" dirty="0" smtClean="0"/>
+              <a:t> </a:t>
+            </a:r>
+            <a:r>
               <a:rPr lang="en-US" altLang="ko-KR" sz="1400" dirty="0" smtClean="0"/>
               <a:t>) </a:t>
             </a:r>
@@ -3433,11 +3434,11 @@
           </a:p>
           <a:p>
             <a:r>
-              <a:rPr lang="en-US" altLang="ko-KR" sz="1400"/>
+              <a:rPr lang="en-US" altLang="ko-KR" sz="1400" dirty="0"/>
               <a:t> </a:t>
             </a:r>
             <a:r>
-              <a:rPr lang="en-US" altLang="ko-KR" sz="1400" smtClean="0"/>
+              <a:rPr lang="en-US" altLang="ko-KR" sz="1400" dirty="0" smtClean="0"/>
               <a:t>      LOG </a:t>
             </a:r>
             <a:r>
@@ -3448,6 +3449,14 @@
               <a:rPr lang="en-US" altLang="ko-KR" sz="1400" dirty="0" smtClean="0"/>
               <a:t>.</a:t>
             </a:r>
+          </a:p>
+          <a:p>
+            <a:endParaRPr lang="en-US" altLang="ko-KR" sz="1400" dirty="0"/>
+          </a:p>
+          <a:p>
+            <a:endParaRPr lang="en-US" altLang="ko-KR" sz="1400" dirty="0" smtClean="0"/>
+          </a:p>
+          <a:p>
             <a:endParaRPr lang="en-US" altLang="ko-KR" sz="1400" dirty="0" smtClean="0"/>
           </a:p>
         </p:txBody>

--- a/HD다운로더메뉴얼.pptx
+++ b/HD다운로더메뉴얼.pptx
@@ -243,7 +243,7 @@
           <a:p>
             <a:fld id="{E7697FEC-BBE4-4015-BA8F-593A8AB60BA4}" type="datetimeFigureOut">
               <a:rPr lang="ko-KR" altLang="en-US" smtClean="0"/>
-              <a:t>2023-11-25</a:t>
+              <a:t>2023-12-02</a:t>
             </a:fld>
             <a:endParaRPr lang="ko-KR" altLang="en-US"/>
           </a:p>
@@ -413,7 +413,7 @@
           <a:p>
             <a:fld id="{E7697FEC-BBE4-4015-BA8F-593A8AB60BA4}" type="datetimeFigureOut">
               <a:rPr lang="ko-KR" altLang="en-US" smtClean="0"/>
-              <a:t>2023-11-25</a:t>
+              <a:t>2023-12-02</a:t>
             </a:fld>
             <a:endParaRPr lang="ko-KR" altLang="en-US"/>
           </a:p>
@@ -593,7 +593,7 @@
           <a:p>
             <a:fld id="{E7697FEC-BBE4-4015-BA8F-593A8AB60BA4}" type="datetimeFigureOut">
               <a:rPr lang="ko-KR" altLang="en-US" smtClean="0"/>
-              <a:t>2023-11-25</a:t>
+              <a:t>2023-12-02</a:t>
             </a:fld>
             <a:endParaRPr lang="ko-KR" altLang="en-US"/>
           </a:p>
@@ -763,7 +763,7 @@
           <a:p>
             <a:fld id="{E7697FEC-BBE4-4015-BA8F-593A8AB60BA4}" type="datetimeFigureOut">
               <a:rPr lang="ko-KR" altLang="en-US" smtClean="0"/>
-              <a:t>2023-11-25</a:t>
+              <a:t>2023-12-02</a:t>
             </a:fld>
             <a:endParaRPr lang="ko-KR" altLang="en-US"/>
           </a:p>
@@ -1007,7 +1007,7 @@
           <a:p>
             <a:fld id="{E7697FEC-BBE4-4015-BA8F-593A8AB60BA4}" type="datetimeFigureOut">
               <a:rPr lang="ko-KR" altLang="en-US" smtClean="0"/>
-              <a:t>2023-11-25</a:t>
+              <a:t>2023-12-02</a:t>
             </a:fld>
             <a:endParaRPr lang="ko-KR" altLang="en-US"/>
           </a:p>
@@ -1239,7 +1239,7 @@
           <a:p>
             <a:fld id="{E7697FEC-BBE4-4015-BA8F-593A8AB60BA4}" type="datetimeFigureOut">
               <a:rPr lang="ko-KR" altLang="en-US" smtClean="0"/>
-              <a:t>2023-11-25</a:t>
+              <a:t>2023-12-02</a:t>
             </a:fld>
             <a:endParaRPr lang="ko-KR" altLang="en-US"/>
           </a:p>
@@ -1606,7 +1606,7 @@
           <a:p>
             <a:fld id="{E7697FEC-BBE4-4015-BA8F-593A8AB60BA4}" type="datetimeFigureOut">
               <a:rPr lang="ko-KR" altLang="en-US" smtClean="0"/>
-              <a:t>2023-11-25</a:t>
+              <a:t>2023-12-02</a:t>
             </a:fld>
             <a:endParaRPr lang="ko-KR" altLang="en-US"/>
           </a:p>
@@ -1724,7 +1724,7 @@
           <a:p>
             <a:fld id="{E7697FEC-BBE4-4015-BA8F-593A8AB60BA4}" type="datetimeFigureOut">
               <a:rPr lang="ko-KR" altLang="en-US" smtClean="0"/>
-              <a:t>2023-11-25</a:t>
+              <a:t>2023-12-02</a:t>
             </a:fld>
             <a:endParaRPr lang="ko-KR" altLang="en-US"/>
           </a:p>
@@ -1819,7 +1819,7 @@
           <a:p>
             <a:fld id="{E7697FEC-BBE4-4015-BA8F-593A8AB60BA4}" type="datetimeFigureOut">
               <a:rPr lang="ko-KR" altLang="en-US" smtClean="0"/>
-              <a:t>2023-11-25</a:t>
+              <a:t>2023-12-02</a:t>
             </a:fld>
             <a:endParaRPr lang="ko-KR" altLang="en-US"/>
           </a:p>
@@ -2096,7 +2096,7 @@
           <a:p>
             <a:fld id="{E7697FEC-BBE4-4015-BA8F-593A8AB60BA4}" type="datetimeFigureOut">
               <a:rPr lang="ko-KR" altLang="en-US" smtClean="0"/>
-              <a:t>2023-11-25</a:t>
+              <a:t>2023-12-02</a:t>
             </a:fld>
             <a:endParaRPr lang="ko-KR" altLang="en-US"/>
           </a:p>
@@ -2353,7 +2353,7 @@
           <a:p>
             <a:fld id="{E7697FEC-BBE4-4015-BA8F-593A8AB60BA4}" type="datetimeFigureOut">
               <a:rPr lang="ko-KR" altLang="en-US" smtClean="0"/>
-              <a:t>2023-11-25</a:t>
+              <a:t>2023-12-02</a:t>
             </a:fld>
             <a:endParaRPr lang="ko-KR" altLang="en-US"/>
           </a:p>
@@ -2566,7 +2566,7 @@
           <a:p>
             <a:fld id="{E7697FEC-BBE4-4015-BA8F-593A8AB60BA4}" type="datetimeFigureOut">
               <a:rPr lang="ko-KR" altLang="en-US" smtClean="0"/>
-              <a:t>2023-11-25</a:t>
+              <a:t>2023-12-02</a:t>
             </a:fld>
             <a:endParaRPr lang="ko-KR" altLang="en-US"/>
           </a:p>
@@ -3022,7 +3022,7 @@
         <p:spPr>
           <a:xfrm>
             <a:off x="660400" y="1295400"/>
-            <a:ext cx="5755358" cy="6217087"/>
+            <a:ext cx="5755358" cy="7725192"/>
           </a:xfrm>
           <a:prstGeom prst="rect">
             <a:avLst/>
@@ -3167,11 +3167,7 @@
             </a:r>
             <a:r>
               <a:rPr lang="ko-KR" altLang="en-US" sz="1400" dirty="0" smtClean="0"/>
-              <a:t>개 표시 </a:t>
-            </a:r>
-            <a:r>
-              <a:rPr lang="ko-KR" altLang="en-US" sz="1400" dirty="0" smtClean="0"/>
-              <a:t>될 때까지 </a:t>
+              <a:t>개 표시 될 때까지 </a:t>
             </a:r>
             <a:r>
               <a:rPr lang="en-US" altLang="ko-KR" sz="1400" dirty="0" smtClean="0"/>
@@ -3289,15 +3285,7 @@
             </a:r>
             <a:r>
               <a:rPr lang="ko-KR" altLang="en-US" sz="1400" dirty="0" smtClean="0"/>
-              <a:t>개 표시 </a:t>
-            </a:r>
-            <a:r>
-              <a:rPr lang="ko-KR" altLang="en-US" sz="1400" dirty="0" smtClean="0"/>
-              <a:t>될 때 </a:t>
-            </a:r>
-            <a:r>
-              <a:rPr lang="ko-KR" altLang="en-US" sz="1400" dirty="0" smtClean="0"/>
-              <a:t>까지 </a:t>
+              <a:t>개 표시 될 때 까지 </a:t>
             </a:r>
             <a:r>
               <a:rPr lang="en-US" altLang="ko-KR" sz="1400" dirty="0" smtClean="0"/>
@@ -3451,13 +3439,221 @@
             </a:r>
           </a:p>
           <a:p>
+            <a:pPr marL="285750" indent="-285750">
+              <a:buFont typeface="Wingdings" panose="05000000000000000000" pitchFamily="2" charset="2"/>
+              <a:buChar char="è"/>
+            </a:pPr>
             <a:endParaRPr lang="en-US" altLang="ko-KR" sz="1400" dirty="0"/>
           </a:p>
           <a:p>
+            <a:r>
+              <a:rPr lang="ko-KR" altLang="ko-KR" sz="1400" b="1" dirty="0"/>
+              <a:t>※</a:t>
+            </a:r>
+            <a:r>
+              <a:rPr lang="en-US" altLang="ko-KR" sz="1400" b="1" dirty="0"/>
+              <a:t> </a:t>
+            </a:r>
+            <a:r>
+              <a:rPr lang="en-US" altLang="ko-KR" sz="1400" b="1" dirty="0" smtClean="0"/>
+              <a:t>System LOG</a:t>
+            </a:r>
+            <a:r>
+              <a:rPr lang="ko-KR" altLang="en-US" sz="1400" b="1" dirty="0" smtClean="0"/>
+              <a:t> 삭제 </a:t>
+            </a:r>
+            <a:r>
+              <a:rPr lang="en-US" altLang="ko-KR" sz="1400" b="1" dirty="0" smtClean="0"/>
+              <a:t>( </a:t>
+            </a:r>
+            <a:r>
+              <a:rPr lang="ko-KR" altLang="en-US" sz="1400" b="1" dirty="0" smtClean="0"/>
+              <a:t>장비 </a:t>
+            </a:r>
+            <a:r>
+              <a:rPr lang="ko-KR" altLang="en-US" sz="1400" b="1" dirty="0" err="1" smtClean="0"/>
+              <a:t>고장시</a:t>
+            </a:r>
+            <a:r>
+              <a:rPr lang="ko-KR" altLang="en-US" sz="1400" b="1" dirty="0" smtClean="0"/>
+              <a:t> 시도 바람 </a:t>
+            </a:r>
+            <a:r>
+              <a:rPr lang="en-US" altLang="ko-KR" sz="1400" b="1" dirty="0" smtClean="0"/>
+              <a:t>)</a:t>
+            </a:r>
+            <a:endParaRPr lang="en-US" altLang="ko-KR" sz="1400" b="1" dirty="0"/>
+          </a:p>
+          <a:p>
+            <a:endParaRPr lang="en-US" altLang="ko-KR" sz="1400" b="1" dirty="0"/>
+          </a:p>
+          <a:p>
+            <a:pPr marL="285750" indent="-285750">
+              <a:buFont typeface="Wingdings" panose="05000000000000000000" pitchFamily="2" charset="2"/>
+              <a:buChar char="è"/>
+            </a:pPr>
+            <a:r>
+              <a:rPr lang="en-US" altLang="ko-KR" sz="1400" dirty="0"/>
+              <a:t>USB </a:t>
+            </a:r>
+            <a:r>
+              <a:rPr lang="ko-KR" altLang="en-US" sz="1400" dirty="0"/>
+              <a:t>메모리를 장비에 꼽고</a:t>
+            </a:r>
+            <a:r>
+              <a:rPr lang="en-US" altLang="ko-KR" sz="1400" dirty="0"/>
+              <a:t>,</a:t>
+            </a:r>
+          </a:p>
+          <a:p>
+            <a:pPr marL="285750" indent="-285750">
+              <a:buFont typeface="Wingdings" panose="05000000000000000000" pitchFamily="2" charset="2"/>
+              <a:buChar char="è"/>
+            </a:pPr>
+            <a:r>
+              <a:rPr lang="ko-KR" altLang="en-US" sz="1400" dirty="0"/>
+              <a:t>버튼을 </a:t>
+            </a:r>
+            <a:r>
+              <a:rPr lang="en-US" altLang="ko-KR" sz="1400" dirty="0" smtClean="0"/>
+              <a:t>4</a:t>
+            </a:r>
+            <a:r>
+              <a:rPr lang="ko-KR" altLang="en-US" sz="1400" dirty="0" smtClean="0"/>
+              <a:t>회 </a:t>
+            </a:r>
+            <a:r>
+              <a:rPr lang="ko-KR" altLang="en-US" sz="1400" dirty="0"/>
+              <a:t>누른다</a:t>
+            </a:r>
+            <a:r>
+              <a:rPr lang="en-US" altLang="ko-KR" sz="1400" dirty="0"/>
+              <a:t>. ( LED </a:t>
+            </a:r>
+            <a:r>
+              <a:rPr lang="ko-KR" altLang="en-US" sz="1400" dirty="0"/>
+              <a:t>가 </a:t>
+            </a:r>
+            <a:r>
+              <a:rPr lang="en-US" altLang="ko-KR" sz="1400" dirty="0" smtClean="0"/>
+              <a:t>4</a:t>
+            </a:r>
+            <a:r>
+              <a:rPr lang="ko-KR" altLang="en-US" sz="1400" dirty="0" smtClean="0"/>
+              <a:t>개 </a:t>
+            </a:r>
+            <a:r>
+              <a:rPr lang="ko-KR" altLang="en-US" sz="1400" dirty="0"/>
+              <a:t>표시 될 때 까지 </a:t>
+            </a:r>
+            <a:r>
+              <a:rPr lang="en-US" altLang="ko-KR" sz="1400" dirty="0" smtClean="0"/>
+              <a:t>)</a:t>
+            </a:r>
             <a:endParaRPr lang="en-US" altLang="ko-KR" sz="1400" dirty="0" smtClean="0"/>
           </a:p>
           <a:p>
             <a:endParaRPr lang="en-US" altLang="ko-KR" sz="1400" dirty="0" smtClean="0"/>
+          </a:p>
+          <a:p>
+            <a:r>
+              <a:rPr lang="ko-KR" altLang="ko-KR" sz="1400" b="1" dirty="0"/>
+              <a:t>※</a:t>
+            </a:r>
+            <a:r>
+              <a:rPr lang="en-US" altLang="ko-KR" sz="1400" b="1" dirty="0"/>
+              <a:t> </a:t>
+            </a:r>
+            <a:r>
+              <a:rPr lang="en-US" altLang="ko-KR" sz="1400" b="1" dirty="0" smtClean="0"/>
+              <a:t>USB VFAT </a:t>
+            </a:r>
+            <a:r>
+              <a:rPr lang="ko-KR" altLang="en-US" sz="1400" b="1" dirty="0" err="1" smtClean="0"/>
+              <a:t>포멧</a:t>
+            </a:r>
+            <a:r>
+              <a:rPr lang="ko-KR" altLang="en-US" sz="1400" b="1" dirty="0" smtClean="0"/>
+              <a:t> </a:t>
+            </a:r>
+            <a:r>
+              <a:rPr lang="en-US" altLang="ko-KR" sz="1400" b="1" dirty="0" smtClean="0"/>
+              <a:t>( </a:t>
+            </a:r>
+            <a:r>
+              <a:rPr lang="ko-KR" altLang="en-US" sz="1400" b="1" dirty="0" smtClean="0"/>
+              <a:t>삼성 </a:t>
+            </a:r>
+            <a:r>
+              <a:rPr lang="en-US" altLang="ko-KR" sz="1400" b="1" dirty="0" smtClean="0"/>
+              <a:t>USB : MUF-BE3 )</a:t>
+            </a:r>
+            <a:endParaRPr lang="en-US" altLang="ko-KR" sz="1400" b="1" dirty="0"/>
+          </a:p>
+          <a:p>
+            <a:pPr marL="285750" indent="-285750">
+              <a:buFont typeface="Wingdings" panose="05000000000000000000" pitchFamily="2" charset="2"/>
+              <a:buChar char="è"/>
+            </a:pPr>
+            <a:r>
+              <a:rPr lang="en-US" altLang="ko-KR" sz="1400" dirty="0"/>
+              <a:t>USB </a:t>
+            </a:r>
+            <a:r>
+              <a:rPr lang="ko-KR" altLang="en-US" sz="1400" dirty="0"/>
+              <a:t>메모리를 장비에 꼽고</a:t>
+            </a:r>
+            <a:r>
+              <a:rPr lang="en-US" altLang="ko-KR" sz="1400" dirty="0"/>
+              <a:t>,</a:t>
+            </a:r>
+          </a:p>
+          <a:p>
+            <a:pPr marL="285750" indent="-285750">
+              <a:buFont typeface="Wingdings" panose="05000000000000000000" pitchFamily="2" charset="2"/>
+              <a:buChar char="è"/>
+            </a:pPr>
+            <a:r>
+              <a:rPr lang="ko-KR" altLang="en-US" sz="1400" dirty="0"/>
+              <a:t>버튼을 </a:t>
+            </a:r>
+            <a:r>
+              <a:rPr lang="en-US" altLang="ko-KR" sz="1400" dirty="0" smtClean="0"/>
+              <a:t>12</a:t>
+            </a:r>
+            <a:r>
+              <a:rPr lang="ko-KR" altLang="en-US" sz="1400" dirty="0" smtClean="0"/>
+              <a:t>회 </a:t>
+            </a:r>
+            <a:r>
+              <a:rPr lang="ko-KR" altLang="en-US" sz="1400" dirty="0"/>
+              <a:t>누른다</a:t>
+            </a:r>
+            <a:r>
+              <a:rPr lang="en-US" altLang="ko-KR" sz="1400" dirty="0"/>
+              <a:t>. ( LED </a:t>
+            </a:r>
+            <a:r>
+              <a:rPr lang="ko-KR" altLang="en-US" sz="1400" dirty="0"/>
+              <a:t>가 </a:t>
+            </a:r>
+            <a:r>
+              <a:rPr lang="en-US" altLang="ko-KR" sz="1400" dirty="0" smtClean="0"/>
+              <a:t>12</a:t>
+            </a:r>
+            <a:r>
+              <a:rPr lang="ko-KR" altLang="en-US" sz="1400" dirty="0" smtClean="0"/>
+              <a:t>개 </a:t>
+            </a:r>
+            <a:r>
+              <a:rPr lang="ko-KR" altLang="en-US" sz="1400" dirty="0"/>
+              <a:t>표시 될 때 까지 </a:t>
+            </a:r>
+            <a:r>
+              <a:rPr lang="en-US" altLang="ko-KR" sz="1400" dirty="0" smtClean="0"/>
+              <a:t>)</a:t>
+            </a:r>
+            <a:endParaRPr lang="en-US" altLang="ko-KR" sz="1400" dirty="0"/>
           </a:p>
         </p:txBody>
       </p:sp>
